--- a/TG3_final.pptx
+++ b/TG3_final.pptx
@@ -5,23 +5,29 @@
     <p:sldMasterId id="2147483660" r:id="rId1"/>
   </p:sldMasterIdLst>
   <p:notesMasterIdLst>
-    <p:notesMasterId r:id="rId16"/>
+    <p:notesMasterId r:id="rId22"/>
   </p:notesMasterIdLst>
   <p:sldIdLst>
     <p:sldId id="256" r:id="rId2"/>
     <p:sldId id="257" r:id="rId3"/>
     <p:sldId id="258" r:id="rId4"/>
     <p:sldId id="259" r:id="rId5"/>
-    <p:sldId id="264" r:id="rId6"/>
-    <p:sldId id="268" r:id="rId7"/>
-    <p:sldId id="279" r:id="rId8"/>
-    <p:sldId id="276" r:id="rId9"/>
-    <p:sldId id="282" r:id="rId10"/>
-    <p:sldId id="283" r:id="rId11"/>
-    <p:sldId id="280" r:id="rId12"/>
-    <p:sldId id="284" r:id="rId13"/>
-    <p:sldId id="285" r:id="rId14"/>
-    <p:sldId id="281" r:id="rId15"/>
+    <p:sldId id="286" r:id="rId6"/>
+    <p:sldId id="287" r:id="rId7"/>
+    <p:sldId id="264" r:id="rId8"/>
+    <p:sldId id="289" r:id="rId9"/>
+    <p:sldId id="290" r:id="rId10"/>
+    <p:sldId id="291" r:id="rId11"/>
+    <p:sldId id="292" r:id="rId12"/>
+    <p:sldId id="268" r:id="rId13"/>
+    <p:sldId id="279" r:id="rId14"/>
+    <p:sldId id="276" r:id="rId15"/>
+    <p:sldId id="282" r:id="rId16"/>
+    <p:sldId id="283" r:id="rId17"/>
+    <p:sldId id="280" r:id="rId18"/>
+    <p:sldId id="284" r:id="rId19"/>
+    <p:sldId id="285" r:id="rId20"/>
+    <p:sldId id="281" r:id="rId21"/>
   </p:sldIdLst>
   <p:sldSz cx="12192000" cy="6858000"/>
   <p:notesSz cx="6858000" cy="9144000"/>
@@ -7596,50 +7602,122 @@
       </p:grpSpPr>
       <p:sp>
         <p:nvSpPr>
-          <p:cNvPr id="2" name="1 Título"/>
+          <p:cNvPr id="3" name="2 Marcador de contenido"/>
           <p:cNvSpPr>
             <a:spLocks noGrp="1"/>
           </p:cNvSpPr>
           <p:nvPr>
-            <p:ph type="title"/>
+            <p:ph idx="4294967295"/>
           </p:nvPr>
         </p:nvSpPr>
-        <p:spPr/>
+        <p:spPr>
+          <a:xfrm>
+            <a:off x="972065" y="897924"/>
+            <a:ext cx="10313774" cy="4374291"/>
+          </a:xfrm>
+        </p:spPr>
         <p:txBody>
-          <a:bodyPr/>
+          <a:bodyPr>
+            <a:normAutofit fontScale="85000" lnSpcReduction="10000"/>
+          </a:bodyPr>
           <a:lstStyle/>
           <a:p>
-            <a:r>
-              <a:rPr lang="es-ES" dirty="0" smtClean="0"/>
-              <a:t>6.2 Tecnología B</a:t>
-            </a:r>
+            <a:pPr algn="just">
+              <a:buNone/>
+            </a:pPr>
+            <a:r>
+              <a:rPr lang="es-ES" sz="1900" b="1" i="1" u="sng" dirty="0" smtClean="0"/>
+              <a:t>3.5 Horas Empleadas en el Desarrollo</a:t>
+            </a:r>
+            <a:endParaRPr lang="es-ES" sz="1900" dirty="0" smtClean="0"/>
+          </a:p>
+          <a:p>
+            <a:pPr algn="just">
+              <a:buNone/>
+            </a:pPr>
+            <a:r>
+              <a:rPr lang="es-ES" sz="1900" dirty="0" smtClean="0"/>
+              <a:t>Nombre del criterio: Horas Empleadas en el Desarrollo.</a:t>
+            </a:r>
+          </a:p>
+          <a:p>
+            <a:pPr algn="just">
+              <a:buNone/>
+            </a:pPr>
+            <a:r>
+              <a:rPr lang="es-ES" sz="1900" dirty="0" smtClean="0"/>
+              <a:t>Descripción: Decimos  el número de horas que se hemos tardado desde que empezamos en su momento el desarrollo hasta tener un proyecto viable al menos mínimamente.</a:t>
+            </a:r>
+          </a:p>
+          <a:p>
+            <a:pPr algn="just">
+              <a:buNone/>
+            </a:pPr>
+            <a:r>
+              <a:rPr lang="es-ES" sz="1900" dirty="0" smtClean="0"/>
+              <a:t>Tipo de valor: Numérico (horas).</a:t>
+            </a:r>
+          </a:p>
+          <a:p>
+            <a:pPr algn="just">
+              <a:buNone/>
+            </a:pPr>
+            <a:r>
+              <a:rPr lang="es-ES" sz="1900" dirty="0" smtClean="0"/>
+              <a:t> </a:t>
+            </a:r>
+          </a:p>
+          <a:p>
+            <a:pPr algn="just">
+              <a:buNone/>
+            </a:pPr>
+            <a:r>
+              <a:rPr lang="es-ES" sz="1900" dirty="0" smtClean="0"/>
+              <a:t> </a:t>
+            </a:r>
+          </a:p>
+          <a:p>
+            <a:pPr algn="just">
+              <a:buNone/>
+            </a:pPr>
+            <a:r>
+              <a:rPr lang="es-ES" sz="1900" b="1" i="1" u="sng" dirty="0" smtClean="0"/>
+              <a:t>3.6 Herramientas Utilizadas en el Desarrollo</a:t>
+            </a:r>
+            <a:endParaRPr lang="es-ES" sz="1900" dirty="0" smtClean="0"/>
+          </a:p>
+          <a:p>
+            <a:pPr algn="just">
+              <a:buNone/>
+            </a:pPr>
+            <a:r>
+              <a:rPr lang="es-ES" sz="1900" dirty="0" smtClean="0"/>
+              <a:t>Nombre del criterio: Herramientas Utilizadas en el Desarrollo.</a:t>
+            </a:r>
+          </a:p>
+          <a:p>
+            <a:pPr algn="just">
+              <a:buNone/>
+            </a:pPr>
+            <a:r>
+              <a:rPr lang="es-ES" sz="1900" dirty="0" smtClean="0"/>
+              <a:t>Descripción: Vemos las herramientas que hemos usado pues nos ayudaban a realizar ese mínimo de nuestro proyecto.</a:t>
+            </a:r>
+          </a:p>
+          <a:p>
+            <a:pPr algn="just">
+              <a:buNone/>
+            </a:pPr>
+            <a:r>
+              <a:rPr lang="es-ES" sz="1900" dirty="0" smtClean="0"/>
+              <a:t>Tipo de valor: Texto.</a:t>
+            </a:r>
+          </a:p>
+          <a:p>
             <a:endParaRPr lang="es-ES" dirty="0"/>
           </a:p>
         </p:txBody>
       </p:sp>
-      <p:pic>
-        <p:nvPicPr>
-          <p:cNvPr id="4" name="3 Marcador de contenido" descr="6.2.PNG"/>
-          <p:cNvPicPr>
-            <a:picLocks noGrp="1" noChangeAspect="1"/>
-          </p:cNvPicPr>
-          <p:nvPr>
-            <p:ph idx="1"/>
-          </p:nvPr>
-        </p:nvPicPr>
-        <p:blipFill>
-          <a:blip r:embed="rId2"/>
-          <a:stretch>
-            <a:fillRect/>
-          </a:stretch>
-        </p:blipFill>
-        <p:spPr>
-          <a:xfrm>
-            <a:off x="3542921" y="2164336"/>
-            <a:ext cx="5420482" cy="3153215"/>
-          </a:xfrm>
-        </p:spPr>
-      </p:pic>
     </p:spTree>
   </p:cSld>
   <p:clrMapOvr>
@@ -7667,6 +7745,310 @@
       </p:grpSpPr>
       <p:sp>
         <p:nvSpPr>
+          <p:cNvPr id="3" name="2 Marcador de contenido"/>
+          <p:cNvSpPr>
+            <a:spLocks noGrp="1"/>
+          </p:cNvSpPr>
+          <p:nvPr>
+            <p:ph idx="4294967295"/>
+          </p:nvPr>
+        </p:nvSpPr>
+        <p:spPr>
+          <a:xfrm>
+            <a:off x="972065" y="897924"/>
+            <a:ext cx="10313774" cy="4374291"/>
+          </a:xfrm>
+        </p:spPr>
+        <p:txBody>
+          <a:bodyPr>
+            <a:normAutofit fontScale="85000" lnSpcReduction="20000"/>
+          </a:bodyPr>
+          <a:lstStyle/>
+          <a:p>
+            <a:pPr algn="just">
+              <a:buNone/>
+            </a:pPr>
+            <a:r>
+              <a:rPr lang="es-ES" sz="1900" b="1" i="1" u="sng" dirty="0" smtClean="0"/>
+              <a:t>3.7 Costes del software</a:t>
+            </a:r>
+            <a:endParaRPr lang="es-ES" sz="1900" dirty="0" smtClean="0"/>
+          </a:p>
+          <a:p>
+            <a:pPr algn="just">
+              <a:buNone/>
+            </a:pPr>
+            <a:r>
+              <a:rPr lang="es-ES" sz="1900" dirty="0" smtClean="0"/>
+              <a:t>Nombre del criterio: Costes del software</a:t>
+            </a:r>
+          </a:p>
+          <a:p>
+            <a:pPr algn="just">
+              <a:buNone/>
+            </a:pPr>
+            <a:r>
+              <a:rPr lang="es-ES" sz="1900" dirty="0" smtClean="0"/>
+              <a:t>Descripción: Decimos cuanto a costado el software con todas las herramientas que también usamos para hacerlo funcionar.</a:t>
+            </a:r>
+          </a:p>
+          <a:p>
+            <a:pPr algn="just">
+              <a:buNone/>
+            </a:pPr>
+            <a:r>
+              <a:rPr lang="es-ES" sz="1900" dirty="0" smtClean="0"/>
+              <a:t>Tipo de valor:  Valor económico.</a:t>
+            </a:r>
+          </a:p>
+          <a:p>
+            <a:pPr algn="just">
+              <a:buNone/>
+            </a:pPr>
+            <a:endParaRPr lang="es-ES" sz="1900" dirty="0" smtClean="0"/>
+          </a:p>
+          <a:p>
+            <a:pPr algn="just">
+              <a:buNone/>
+            </a:pPr>
+            <a:r>
+              <a:rPr lang="es-ES" sz="1900" b="1" i="1" u="sng" dirty="0" smtClean="0"/>
+              <a:t>3.8 Requisitos en el ordenador</a:t>
+            </a:r>
+            <a:endParaRPr lang="es-ES" sz="1900" dirty="0" smtClean="0"/>
+          </a:p>
+          <a:p>
+            <a:pPr algn="just">
+              <a:buNone/>
+            </a:pPr>
+            <a:r>
+              <a:rPr lang="es-ES" sz="1900" dirty="0" smtClean="0"/>
+              <a:t>Nombre del criterio: Requisitos en el ordenador</a:t>
+            </a:r>
+          </a:p>
+          <a:p>
+            <a:pPr algn="just">
+              <a:buNone/>
+            </a:pPr>
+            <a:r>
+              <a:rPr lang="es-ES" sz="1900" dirty="0" smtClean="0"/>
+              <a:t>Descripción: Decimos cuales son los requisitos para nuestro ordenador o dispositivo para que nuestro software pueda funcionar a pleno rendimiento.</a:t>
+            </a:r>
+          </a:p>
+          <a:p>
+            <a:pPr algn="just">
+              <a:buNone/>
+            </a:pPr>
+            <a:r>
+              <a:rPr lang="es-ES" sz="1900" dirty="0" smtClean="0"/>
+              <a:t>Tipo de valor:  Texto.</a:t>
+            </a:r>
+          </a:p>
+          <a:p>
+            <a:pPr algn="just">
+              <a:buNone/>
+            </a:pPr>
+            <a:r>
+              <a:rPr lang="es-ES" dirty="0" smtClean="0"/>
+              <a:t> </a:t>
+            </a:r>
+          </a:p>
+          <a:p>
+            <a:endParaRPr lang="es-ES" dirty="0"/>
+          </a:p>
+        </p:txBody>
+      </p:sp>
+    </p:spTree>
+  </p:cSld>
+  <p:clrMapOvr>
+    <a:masterClrMapping/>
+  </p:clrMapOvr>
+</p:sld>
+</file>
+
+<file path=ppt/slides/slide12.xml><?xml version="1.0" encoding="utf-8"?>
+<p:sld xmlns:a="http://schemas.openxmlformats.org/drawingml/2006/main" xmlns:r="http://schemas.openxmlformats.org/officeDocument/2006/relationships" xmlns:p="http://schemas.openxmlformats.org/presentationml/2006/main">
+  <p:cSld>
+    <p:spTree>
+      <p:nvGrpSpPr>
+        <p:cNvPr id="1" name=""/>
+        <p:cNvGrpSpPr/>
+        <p:nvPr/>
+      </p:nvGrpSpPr>
+      <p:grpSpPr>
+        <a:xfrm>
+          <a:off x="0" y="0"/>
+          <a:ext cx="0" cy="0"/>
+          <a:chOff x="0" y="0"/>
+          <a:chExt cx="0" cy="0"/>
+        </a:xfrm>
+      </p:grpSpPr>
+      <p:sp>
+        <p:nvSpPr>
+          <p:cNvPr id="2" name="Título 1"/>
+          <p:cNvSpPr>
+            <a:spLocks noGrp="1"/>
+          </p:cNvSpPr>
+          <p:nvPr>
+            <p:ph type="ctrTitle"/>
+          </p:nvPr>
+        </p:nvSpPr>
+        <p:spPr/>
+        <p:txBody>
+          <a:bodyPr>
+            <a:noAutofit/>
+          </a:bodyPr>
+          <a:lstStyle/>
+          <a:p>
+            <a:r>
+              <a:rPr lang="es-ES" sz="4400" dirty="0" smtClean="0"/>
+              <a:t>4. Proyecto de implementación </a:t>
+            </a:r>
+            <a:r>
+              <a:rPr lang="es-ES" sz="4400" dirty="0" err="1" smtClean="0"/>
+              <a:t>Tecnologia</a:t>
+            </a:r>
+            <a:r>
+              <a:rPr lang="es-ES" sz="4400" dirty="0" smtClean="0"/>
+              <a:t> A</a:t>
+            </a:r>
+            <a:endParaRPr lang="es-ES" sz="4400" dirty="0"/>
+          </a:p>
+        </p:txBody>
+      </p:sp>
+      <p:sp>
+        <p:nvSpPr>
+          <p:cNvPr id="3" name="Subtítulo 2"/>
+          <p:cNvSpPr>
+            <a:spLocks noGrp="1"/>
+          </p:cNvSpPr>
+          <p:nvPr>
+            <p:ph type="subTitle" idx="1"/>
+          </p:nvPr>
+        </p:nvSpPr>
+        <p:spPr/>
+        <p:txBody>
+          <a:bodyPr/>
+          <a:lstStyle/>
+          <a:p>
+            <a:r>
+              <a:rPr lang="es-ES" dirty="0" err="1" smtClean="0"/>
+              <a:t>Appium</a:t>
+            </a:r>
+            <a:endParaRPr lang="es-ES" dirty="0"/>
+          </a:p>
+        </p:txBody>
+      </p:sp>
+    </p:spTree>
+    <p:extLst>
+      <p:ext uri="{BB962C8B-B14F-4D97-AF65-F5344CB8AC3E}">
+        <p14:creationId xmlns:p14="http://schemas.microsoft.com/office/powerpoint/2010/main" xmlns="" val="82126469"/>
+      </p:ext>
+    </p:extLst>
+  </p:cSld>
+  <p:clrMapOvr>
+    <a:masterClrMapping/>
+  </p:clrMapOvr>
+</p:sld>
+</file>
+
+<file path=ppt/slides/slide13.xml><?xml version="1.0" encoding="utf-8"?>
+<p:sld xmlns:a="http://schemas.openxmlformats.org/drawingml/2006/main" xmlns:r="http://schemas.openxmlformats.org/officeDocument/2006/relationships" xmlns:p="http://schemas.openxmlformats.org/presentationml/2006/main">
+  <p:cSld>
+    <p:spTree>
+      <p:nvGrpSpPr>
+        <p:cNvPr id="1" name=""/>
+        <p:cNvGrpSpPr/>
+        <p:nvPr/>
+      </p:nvGrpSpPr>
+      <p:grpSpPr>
+        <a:xfrm>
+          <a:off x="0" y="0"/>
+          <a:ext cx="0" cy="0"/>
+          <a:chOff x="0" y="0"/>
+          <a:chExt cx="0" cy="0"/>
+        </a:xfrm>
+      </p:grpSpPr>
+      <p:sp>
+        <p:nvSpPr>
+          <p:cNvPr id="2" name="Título 1"/>
+          <p:cNvSpPr>
+            <a:spLocks noGrp="1"/>
+          </p:cNvSpPr>
+          <p:nvPr>
+            <p:ph type="ctrTitle"/>
+          </p:nvPr>
+        </p:nvSpPr>
+        <p:spPr/>
+        <p:txBody>
+          <a:bodyPr>
+            <a:noAutofit/>
+          </a:bodyPr>
+          <a:lstStyle/>
+          <a:p>
+            <a:r>
+              <a:rPr lang="es-ES" sz="4400" dirty="0" smtClean="0"/>
+              <a:t>5. Proyecto de implementación Tecnología B</a:t>
+            </a:r>
+            <a:endParaRPr lang="es-ES" sz="4400" dirty="0"/>
+          </a:p>
+        </p:txBody>
+      </p:sp>
+      <p:sp>
+        <p:nvSpPr>
+          <p:cNvPr id="3" name="Subtítulo 2"/>
+          <p:cNvSpPr>
+            <a:spLocks noGrp="1"/>
+          </p:cNvSpPr>
+          <p:nvPr>
+            <p:ph type="subTitle" idx="1"/>
+          </p:nvPr>
+        </p:nvSpPr>
+        <p:spPr/>
+        <p:txBody>
+          <a:bodyPr/>
+          <a:lstStyle/>
+          <a:p>
+            <a:r>
+              <a:rPr lang="es-ES" dirty="0" err="1" smtClean="0"/>
+              <a:t>Espresso</a:t>
+            </a:r>
+            <a:endParaRPr lang="es-ES" dirty="0"/>
+          </a:p>
+        </p:txBody>
+      </p:sp>
+    </p:spTree>
+    <p:extLst>
+      <p:ext uri="{BB962C8B-B14F-4D97-AF65-F5344CB8AC3E}">
+        <p14:creationId xmlns:p14="http://schemas.microsoft.com/office/powerpoint/2010/main" xmlns="" val="82126469"/>
+      </p:ext>
+    </p:extLst>
+  </p:cSld>
+  <p:clrMapOvr>
+    <a:masterClrMapping/>
+  </p:clrMapOvr>
+</p:sld>
+</file>
+
+<file path=ppt/slides/slide14.xml><?xml version="1.0" encoding="utf-8"?>
+<p:sld xmlns:a="http://schemas.openxmlformats.org/drawingml/2006/main" xmlns:r="http://schemas.openxmlformats.org/officeDocument/2006/relationships" xmlns:p="http://schemas.openxmlformats.org/presentationml/2006/main">
+  <p:cSld>
+    <p:spTree>
+      <p:nvGrpSpPr>
+        <p:cNvPr id="1" name=""/>
+        <p:cNvGrpSpPr/>
+        <p:nvPr/>
+      </p:nvGrpSpPr>
+      <p:grpSpPr>
+        <a:xfrm>
+          <a:off x="0" y="0"/>
+          <a:ext cx="0" cy="0"/>
+          <a:chOff x="0" y="0"/>
+          <a:chExt cx="0" cy="0"/>
+        </a:xfrm>
+      </p:grpSpPr>
+      <p:sp>
+        <p:nvSpPr>
           <p:cNvPr id="2" name="1 Título"/>
           <p:cNvSpPr>
             <a:spLocks noGrp="1"/>
@@ -7683,8 +8065,12 @@
           <a:lstStyle/>
           <a:p>
             <a:r>
+              <a:rPr lang="es-ES" sz="4400" dirty="0"/>
+              <a:t>6. </a:t>
+            </a:r>
+            <a:r>
               <a:rPr lang="es-ES" sz="4400" dirty="0" smtClean="0"/>
-              <a:t>7. Comparación de la implementación de las tecnologías</a:t>
+              <a:t>Comparacion de las dos implementaciones</a:t>
             </a:r>
             <a:endParaRPr lang="es-ES" sz="4400" dirty="0"/>
           </a:p>
@@ -7722,7 +8108,223 @@
 </p:sld>
 </file>
 
-<file path=ppt/slides/slide12.xml><?xml version="1.0" encoding="utf-8"?>
+<file path=ppt/slides/slide15.xml><?xml version="1.0" encoding="utf-8"?>
+<p:sld xmlns:a="http://schemas.openxmlformats.org/drawingml/2006/main" xmlns:r="http://schemas.openxmlformats.org/officeDocument/2006/relationships" xmlns:p="http://schemas.openxmlformats.org/presentationml/2006/main">
+  <p:cSld>
+    <p:spTree>
+      <p:nvGrpSpPr>
+        <p:cNvPr id="1" name=""/>
+        <p:cNvGrpSpPr/>
+        <p:nvPr/>
+      </p:nvGrpSpPr>
+      <p:grpSpPr>
+        <a:xfrm>
+          <a:off x="0" y="0"/>
+          <a:ext cx="0" cy="0"/>
+          <a:chOff x="0" y="0"/>
+          <a:chExt cx="0" cy="0"/>
+        </a:xfrm>
+      </p:grpSpPr>
+      <p:sp>
+        <p:nvSpPr>
+          <p:cNvPr id="2" name="1 Título"/>
+          <p:cNvSpPr>
+            <a:spLocks noGrp="1"/>
+          </p:cNvSpPr>
+          <p:nvPr>
+            <p:ph type="title"/>
+          </p:nvPr>
+        </p:nvSpPr>
+        <p:spPr/>
+        <p:txBody>
+          <a:bodyPr/>
+          <a:lstStyle/>
+          <a:p>
+            <a:r>
+              <a:rPr lang="es-ES" dirty="0" smtClean="0"/>
+              <a:t>6.1 Tecnología A</a:t>
+            </a:r>
+            <a:endParaRPr lang="es-ES" dirty="0"/>
+          </a:p>
+        </p:txBody>
+      </p:sp>
+      <p:pic>
+        <p:nvPicPr>
+          <p:cNvPr id="5" name="4 Marcador de contenido" descr="6.1.PNG"/>
+          <p:cNvPicPr>
+            <a:picLocks noGrp="1" noChangeAspect="1"/>
+          </p:cNvPicPr>
+          <p:nvPr>
+            <p:ph idx="1"/>
+          </p:nvPr>
+        </p:nvPicPr>
+        <p:blipFill>
+          <a:blip r:embed="rId2"/>
+          <a:stretch>
+            <a:fillRect/>
+          </a:stretch>
+        </p:blipFill>
+        <p:spPr>
+          <a:xfrm>
+            <a:off x="3542921" y="2088125"/>
+            <a:ext cx="5420482" cy="3305637"/>
+          </a:xfrm>
+        </p:spPr>
+      </p:pic>
+    </p:spTree>
+  </p:cSld>
+  <p:clrMapOvr>
+    <a:masterClrMapping/>
+  </p:clrMapOvr>
+</p:sld>
+</file>
+
+<file path=ppt/slides/slide16.xml><?xml version="1.0" encoding="utf-8"?>
+<p:sld xmlns:a="http://schemas.openxmlformats.org/drawingml/2006/main" xmlns:r="http://schemas.openxmlformats.org/officeDocument/2006/relationships" xmlns:p="http://schemas.openxmlformats.org/presentationml/2006/main">
+  <p:cSld>
+    <p:spTree>
+      <p:nvGrpSpPr>
+        <p:cNvPr id="1" name=""/>
+        <p:cNvGrpSpPr/>
+        <p:nvPr/>
+      </p:nvGrpSpPr>
+      <p:grpSpPr>
+        <a:xfrm>
+          <a:off x="0" y="0"/>
+          <a:ext cx="0" cy="0"/>
+          <a:chOff x="0" y="0"/>
+          <a:chExt cx="0" cy="0"/>
+        </a:xfrm>
+      </p:grpSpPr>
+      <p:sp>
+        <p:nvSpPr>
+          <p:cNvPr id="2" name="1 Título"/>
+          <p:cNvSpPr>
+            <a:spLocks noGrp="1"/>
+          </p:cNvSpPr>
+          <p:nvPr>
+            <p:ph type="title"/>
+          </p:nvPr>
+        </p:nvSpPr>
+        <p:spPr/>
+        <p:txBody>
+          <a:bodyPr/>
+          <a:lstStyle/>
+          <a:p>
+            <a:r>
+              <a:rPr lang="es-ES" dirty="0" smtClean="0"/>
+              <a:t>6.2 Tecnología B</a:t>
+            </a:r>
+            <a:endParaRPr lang="es-ES" dirty="0"/>
+          </a:p>
+        </p:txBody>
+      </p:sp>
+      <p:pic>
+        <p:nvPicPr>
+          <p:cNvPr id="4" name="3 Marcador de contenido" descr="6.2.PNG"/>
+          <p:cNvPicPr>
+            <a:picLocks noGrp="1" noChangeAspect="1"/>
+          </p:cNvPicPr>
+          <p:nvPr>
+            <p:ph idx="1"/>
+          </p:nvPr>
+        </p:nvPicPr>
+        <p:blipFill>
+          <a:blip r:embed="rId2"/>
+          <a:stretch>
+            <a:fillRect/>
+          </a:stretch>
+        </p:blipFill>
+        <p:spPr>
+          <a:xfrm>
+            <a:off x="3542921" y="2164336"/>
+            <a:ext cx="5420482" cy="3153215"/>
+          </a:xfrm>
+        </p:spPr>
+      </p:pic>
+    </p:spTree>
+  </p:cSld>
+  <p:clrMapOvr>
+    <a:masterClrMapping/>
+  </p:clrMapOvr>
+</p:sld>
+</file>
+
+<file path=ppt/slides/slide17.xml><?xml version="1.0" encoding="utf-8"?>
+<p:sld xmlns:a="http://schemas.openxmlformats.org/drawingml/2006/main" xmlns:r="http://schemas.openxmlformats.org/officeDocument/2006/relationships" xmlns:p="http://schemas.openxmlformats.org/presentationml/2006/main">
+  <p:cSld>
+    <p:spTree>
+      <p:nvGrpSpPr>
+        <p:cNvPr id="1" name=""/>
+        <p:cNvGrpSpPr/>
+        <p:nvPr/>
+      </p:nvGrpSpPr>
+      <p:grpSpPr>
+        <a:xfrm>
+          <a:off x="0" y="0"/>
+          <a:ext cx="0" cy="0"/>
+          <a:chOff x="0" y="0"/>
+          <a:chExt cx="0" cy="0"/>
+        </a:xfrm>
+      </p:grpSpPr>
+      <p:sp>
+        <p:nvSpPr>
+          <p:cNvPr id="2" name="1 Título"/>
+          <p:cNvSpPr>
+            <a:spLocks noGrp="1"/>
+          </p:cNvSpPr>
+          <p:nvPr>
+            <p:ph type="ctrTitle"/>
+          </p:nvPr>
+        </p:nvSpPr>
+        <p:spPr/>
+        <p:txBody>
+          <a:bodyPr>
+            <a:normAutofit/>
+          </a:bodyPr>
+          <a:lstStyle/>
+          <a:p>
+            <a:r>
+              <a:rPr lang="es-ES" sz="4400" dirty="0" smtClean="0"/>
+              <a:t>7. Comparación de la implementación de las tecnologías</a:t>
+            </a:r>
+            <a:endParaRPr lang="es-ES" sz="4400" dirty="0"/>
+          </a:p>
+        </p:txBody>
+      </p:sp>
+      <p:sp>
+        <p:nvSpPr>
+          <p:cNvPr id="3" name="2 Subtítulo"/>
+          <p:cNvSpPr>
+            <a:spLocks noGrp="1"/>
+          </p:cNvSpPr>
+          <p:nvPr>
+            <p:ph type="subTitle" idx="1"/>
+          </p:nvPr>
+        </p:nvSpPr>
+        <p:spPr/>
+        <p:txBody>
+          <a:bodyPr/>
+          <a:lstStyle/>
+          <a:p>
+            <a:endParaRPr lang="es-ES" dirty="0"/>
+          </a:p>
+        </p:txBody>
+      </p:sp>
+    </p:spTree>
+    <p:extLst>
+      <p:ext uri="{BB962C8B-B14F-4D97-AF65-F5344CB8AC3E}">
+        <p14:creationId xmlns:p14="http://schemas.microsoft.com/office/powerpoint/2010/main" xmlns="" val="2379322355"/>
+      </p:ext>
+    </p:extLst>
+  </p:cSld>
+  <p:clrMapOvr>
+    <a:masterClrMapping/>
+  </p:clrMapOvr>
+</p:sld>
+</file>
+
+<file path=ppt/slides/slide18.xml><?xml version="1.0" encoding="utf-8"?>
 <p:sld xmlns:a="http://schemas.openxmlformats.org/drawingml/2006/main" xmlns:r="http://schemas.openxmlformats.org/officeDocument/2006/relationships" xmlns:p="http://schemas.openxmlformats.org/presentationml/2006/main">
   <p:cSld>
     <p:spTree>
@@ -7771,7 +8373,7 @@
 </p:sld>
 </file>
 
-<file path=ppt/slides/slide13.xml><?xml version="1.0" encoding="utf-8"?>
+<file path=ppt/slides/slide19.xml><?xml version="1.0" encoding="utf-8"?>
 <p:sld xmlns:a="http://schemas.openxmlformats.org/drawingml/2006/main" xmlns:r="http://schemas.openxmlformats.org/officeDocument/2006/relationships" xmlns:p="http://schemas.openxmlformats.org/presentationml/2006/main">
   <p:cSld>
     <p:spTree>
@@ -7812,80 +8414,6 @@
         </p:spPr>
       </p:pic>
     </p:spTree>
-  </p:cSld>
-  <p:clrMapOvr>
-    <a:masterClrMapping/>
-  </p:clrMapOvr>
-</p:sld>
-</file>
-
-<file path=ppt/slides/slide14.xml><?xml version="1.0" encoding="utf-8"?>
-<p:sld xmlns:a="http://schemas.openxmlformats.org/drawingml/2006/main" xmlns:r="http://schemas.openxmlformats.org/officeDocument/2006/relationships" xmlns:p="http://schemas.openxmlformats.org/presentationml/2006/main">
-  <p:cSld>
-    <p:spTree>
-      <p:nvGrpSpPr>
-        <p:cNvPr id="1" name=""/>
-        <p:cNvGrpSpPr/>
-        <p:nvPr/>
-      </p:nvGrpSpPr>
-      <p:grpSpPr>
-        <a:xfrm>
-          <a:off x="0" y="0"/>
-          <a:ext cx="0" cy="0"/>
-          <a:chOff x="0" y="0"/>
-          <a:chExt cx="0" cy="0"/>
-        </a:xfrm>
-      </p:grpSpPr>
-      <p:sp>
-        <p:nvSpPr>
-          <p:cNvPr id="2" name="1 Título"/>
-          <p:cNvSpPr>
-            <a:spLocks noGrp="1"/>
-          </p:cNvSpPr>
-          <p:nvPr>
-            <p:ph type="ctrTitle"/>
-          </p:nvPr>
-        </p:nvSpPr>
-        <p:spPr/>
-        <p:txBody>
-          <a:bodyPr>
-            <a:normAutofit/>
-          </a:bodyPr>
-          <a:lstStyle/>
-          <a:p>
-            <a:r>
-              <a:rPr lang="es-ES" sz="4400" dirty="0" smtClean="0"/>
-              <a:t>8. Conclusiones</a:t>
-            </a:r>
-            <a:endParaRPr lang="es-ES" sz="4400" dirty="0"/>
-          </a:p>
-        </p:txBody>
-      </p:sp>
-      <p:sp>
-        <p:nvSpPr>
-          <p:cNvPr id="3" name="2 Subtítulo"/>
-          <p:cNvSpPr>
-            <a:spLocks noGrp="1"/>
-          </p:cNvSpPr>
-          <p:nvPr>
-            <p:ph type="subTitle" idx="1"/>
-          </p:nvPr>
-        </p:nvSpPr>
-        <p:spPr/>
-        <p:txBody>
-          <a:bodyPr/>
-          <a:lstStyle/>
-          <a:p>
-            <a:endParaRPr lang="es-ES" dirty="0"/>
-          </a:p>
-        </p:txBody>
-      </p:sp>
-    </p:spTree>
-    <p:extLst>
-      <p:ext uri="{BB962C8B-B14F-4D97-AF65-F5344CB8AC3E}">
-        <p14:creationId xmlns:p14="http://schemas.microsoft.com/office/powerpoint/2010/main" xmlns="" val="2379322355"/>
-      </p:ext>
-    </p:extLst>
   </p:cSld>
   <p:clrMapOvr>
     <a:masterClrMapping/>
@@ -8327,6 +8855,80 @@
     <p:extLst>
       <p:ext uri="{BB962C8B-B14F-4D97-AF65-F5344CB8AC3E}">
         <p14:creationId xmlns:p14="http://schemas.microsoft.com/office/powerpoint/2010/main" xmlns="" val="4243482775"/>
+      </p:ext>
+    </p:extLst>
+  </p:cSld>
+  <p:clrMapOvr>
+    <a:masterClrMapping/>
+  </p:clrMapOvr>
+</p:sld>
+</file>
+
+<file path=ppt/slides/slide20.xml><?xml version="1.0" encoding="utf-8"?>
+<p:sld xmlns:a="http://schemas.openxmlformats.org/drawingml/2006/main" xmlns:r="http://schemas.openxmlformats.org/officeDocument/2006/relationships" xmlns:p="http://schemas.openxmlformats.org/presentationml/2006/main">
+  <p:cSld>
+    <p:spTree>
+      <p:nvGrpSpPr>
+        <p:cNvPr id="1" name=""/>
+        <p:cNvGrpSpPr/>
+        <p:nvPr/>
+      </p:nvGrpSpPr>
+      <p:grpSpPr>
+        <a:xfrm>
+          <a:off x="0" y="0"/>
+          <a:ext cx="0" cy="0"/>
+          <a:chOff x="0" y="0"/>
+          <a:chExt cx="0" cy="0"/>
+        </a:xfrm>
+      </p:grpSpPr>
+      <p:sp>
+        <p:nvSpPr>
+          <p:cNvPr id="2" name="1 Título"/>
+          <p:cNvSpPr>
+            <a:spLocks noGrp="1"/>
+          </p:cNvSpPr>
+          <p:nvPr>
+            <p:ph type="ctrTitle"/>
+          </p:nvPr>
+        </p:nvSpPr>
+        <p:spPr/>
+        <p:txBody>
+          <a:bodyPr>
+            <a:normAutofit/>
+          </a:bodyPr>
+          <a:lstStyle/>
+          <a:p>
+            <a:r>
+              <a:rPr lang="es-ES" sz="4400" dirty="0" smtClean="0"/>
+              <a:t>8. Conclusiones</a:t>
+            </a:r>
+            <a:endParaRPr lang="es-ES" sz="4400" dirty="0"/>
+          </a:p>
+        </p:txBody>
+      </p:sp>
+      <p:sp>
+        <p:nvSpPr>
+          <p:cNvPr id="3" name="2 Subtítulo"/>
+          <p:cNvSpPr>
+            <a:spLocks noGrp="1"/>
+          </p:cNvSpPr>
+          <p:nvPr>
+            <p:ph type="subTitle" idx="1"/>
+          </p:nvPr>
+        </p:nvSpPr>
+        <p:spPr/>
+        <p:txBody>
+          <a:bodyPr/>
+          <a:lstStyle/>
+          <a:p>
+            <a:endParaRPr lang="es-ES" dirty="0"/>
+          </a:p>
+        </p:txBody>
+      </p:sp>
+    </p:spTree>
+    <p:extLst>
+      <p:ext uri="{BB962C8B-B14F-4D97-AF65-F5344CB8AC3E}">
+        <p14:creationId xmlns:p14="http://schemas.microsoft.com/office/powerpoint/2010/main" xmlns="" val="2379322355"/>
       </p:ext>
     </p:extLst>
   </p:cSld>
@@ -8546,36 +9148,7 @@
             <a:spLocks noGrp="1"/>
           </p:cNvSpPr>
           <p:nvPr>
-            <p:ph type="ctrTitle"/>
-          </p:nvPr>
-        </p:nvSpPr>
-        <p:spPr/>
-        <p:txBody>
-          <a:bodyPr>
-            <a:normAutofit/>
-          </a:bodyPr>
-          <a:lstStyle/>
-          <a:p>
-            <a:r>
-              <a:rPr lang="es-ES" sz="4400" dirty="0"/>
-              <a:t>3. Criterios de </a:t>
-            </a:r>
-            <a:r>
-              <a:rPr lang="es-ES" sz="4400" dirty="0" smtClean="0"/>
-              <a:t>comparación en la implementación</a:t>
-            </a:r>
-            <a:endParaRPr lang="es-ES" sz="4400" dirty="0"/>
-          </a:p>
-        </p:txBody>
-      </p:sp>
-      <p:sp>
-        <p:nvSpPr>
-          <p:cNvPr id="3" name="2 Subtítulo"/>
-          <p:cNvSpPr>
-            <a:spLocks noGrp="1"/>
-          </p:cNvSpPr>
-          <p:nvPr>
-            <p:ph type="subTitle" idx="1"/>
+            <p:ph type="title"/>
           </p:nvPr>
         </p:nvSpPr>
         <p:spPr/>
@@ -8584,18 +9157,43 @@
           <a:lstStyle/>
           <a:p>
             <a:r>
-              <a:rPr lang="es-ES" dirty="0"/>
-              <a:t>Mobile testing</a:t>
-            </a:r>
+              <a:rPr lang="es-ES" b="1" dirty="0" smtClean="0"/>
+              <a:t>2.1 Requisitos funcionales</a:t>
+            </a:r>
+            <a:br>
+              <a:rPr lang="es-ES" b="1" dirty="0" smtClean="0"/>
+            </a:br>
+            <a:endParaRPr lang="es-ES" dirty="0"/>
           </a:p>
         </p:txBody>
       </p:sp>
+      <p:pic>
+        <p:nvPicPr>
+          <p:cNvPr id="4" name="3 Marcador de contenido" descr="Captura.PNG"/>
+          <p:cNvPicPr>
+            <a:picLocks noGrp="1" noChangeAspect="1"/>
+          </p:cNvPicPr>
+          <p:nvPr>
+            <p:ph idx="1"/>
+          </p:nvPr>
+        </p:nvPicPr>
+        <p:blipFill>
+          <a:blip r:embed="rId2"/>
+          <a:stretch>
+            <a:fillRect/>
+          </a:stretch>
+        </p:blipFill>
+        <p:spPr>
+          <a:xfrm>
+            <a:off x="2718155" y="2997933"/>
+            <a:ext cx="6592220" cy="876422"/>
+          </a:xfrm>
+          <a:prstGeom prst="rect">
+            <a:avLst/>
+          </a:prstGeom>
+        </p:spPr>
+      </p:pic>
     </p:spTree>
-    <p:extLst>
-      <p:ext uri="{BB962C8B-B14F-4D97-AF65-F5344CB8AC3E}">
-        <p14:creationId xmlns:p14="http://schemas.microsoft.com/office/powerpoint/2010/main" xmlns="" val="3621324983"/>
-      </p:ext>
-    </p:extLst>
   </p:cSld>
   <p:clrMapOvr>
     <a:masterClrMapping/>
@@ -8622,45 +9220,12 @@
       </p:grpSpPr>
       <p:sp>
         <p:nvSpPr>
-          <p:cNvPr id="2" name="Título 1"/>
+          <p:cNvPr id="2" name="1 Título"/>
           <p:cNvSpPr>
             <a:spLocks noGrp="1"/>
           </p:cNvSpPr>
           <p:nvPr>
-            <p:ph type="ctrTitle"/>
-          </p:nvPr>
-        </p:nvSpPr>
-        <p:spPr/>
-        <p:txBody>
-          <a:bodyPr>
-            <a:noAutofit/>
-          </a:bodyPr>
-          <a:lstStyle/>
-          <a:p>
-            <a:r>
-              <a:rPr lang="es-ES" sz="4400" dirty="0" smtClean="0"/>
-              <a:t>4. Proyecto de implementación </a:t>
-            </a:r>
-            <a:r>
-              <a:rPr lang="es-ES" sz="4400" dirty="0" err="1" smtClean="0"/>
-              <a:t>Tecnologia</a:t>
-            </a:r>
-            <a:r>
-              <a:rPr lang="es-ES" sz="4400" dirty="0" smtClean="0"/>
-              <a:t> A</a:t>
-            </a:r>
-            <a:endParaRPr lang="es-ES" sz="4400" dirty="0"/>
-          </a:p>
-        </p:txBody>
-      </p:sp>
-      <p:sp>
-        <p:nvSpPr>
-          <p:cNvPr id="3" name="Subtítulo 2"/>
-          <p:cNvSpPr>
-            <a:spLocks noGrp="1"/>
-          </p:cNvSpPr>
-          <p:nvPr>
-            <p:ph type="subTitle" idx="1"/>
+            <p:ph type="title"/>
           </p:nvPr>
         </p:nvSpPr>
         <p:spPr/>
@@ -8669,19 +9234,43 @@
           <a:lstStyle/>
           <a:p>
             <a:r>
-              <a:rPr lang="es-ES" dirty="0" err="1" smtClean="0"/>
-              <a:t>Appium</a:t>
-            </a:r>
+              <a:rPr lang="es-ES" b="1" dirty="0" smtClean="0"/>
+              <a:t>2.2 Otros requisitos</a:t>
+            </a:r>
+            <a:br>
+              <a:rPr lang="es-ES" b="1" dirty="0" smtClean="0"/>
+            </a:br>
             <a:endParaRPr lang="es-ES" dirty="0"/>
           </a:p>
         </p:txBody>
       </p:sp>
+      <p:pic>
+        <p:nvPicPr>
+          <p:cNvPr id="4" name="3 Marcador de contenido" descr="Captura.PNG"/>
+          <p:cNvPicPr>
+            <a:picLocks noGrp="1" noChangeAspect="1"/>
+          </p:cNvPicPr>
+          <p:nvPr>
+            <p:ph idx="1"/>
+          </p:nvPr>
+        </p:nvPicPr>
+        <p:blipFill>
+          <a:blip r:embed="rId2"/>
+          <a:stretch>
+            <a:fillRect/>
+          </a:stretch>
+        </p:blipFill>
+        <p:spPr>
+          <a:xfrm>
+            <a:off x="2735137" y="3160112"/>
+            <a:ext cx="6706536" cy="914528"/>
+          </a:xfrm>
+          <a:prstGeom prst="rect">
+            <a:avLst/>
+          </a:prstGeom>
+        </p:spPr>
+      </p:pic>
     </p:spTree>
-    <p:extLst>
-      <p:ext uri="{BB962C8B-B14F-4D97-AF65-F5344CB8AC3E}">
-        <p14:creationId xmlns:p14="http://schemas.microsoft.com/office/powerpoint/2010/main" xmlns="" val="82126469"/>
-      </p:ext>
-    </p:extLst>
   </p:cSld>
   <p:clrMapOvr>
     <a:masterClrMapping/>
@@ -8708,7 +9297,7 @@
       </p:grpSpPr>
       <p:sp>
         <p:nvSpPr>
-          <p:cNvPr id="2" name="Título 1"/>
+          <p:cNvPr id="2" name="1 Título"/>
           <p:cNvSpPr>
             <a:spLocks noGrp="1"/>
           </p:cNvSpPr>
@@ -8719,13 +9308,17 @@
         <p:spPr/>
         <p:txBody>
           <a:bodyPr>
-            <a:noAutofit/>
+            <a:normAutofit/>
           </a:bodyPr>
           <a:lstStyle/>
           <a:p>
             <a:r>
+              <a:rPr lang="es-ES" sz="4400" dirty="0"/>
+              <a:t>3. Criterios de </a:t>
+            </a:r>
+            <a:r>
               <a:rPr lang="es-ES" sz="4400" dirty="0" smtClean="0"/>
-              <a:t>5. Proyecto de implementación Tecnología B</a:t>
+              <a:t>comparación en la implementación</a:t>
             </a:r>
             <a:endParaRPr lang="es-ES" sz="4400" dirty="0"/>
           </a:p>
@@ -8733,7 +9326,7 @@
       </p:sp>
       <p:sp>
         <p:nvSpPr>
-          <p:cNvPr id="3" name="Subtítulo 2"/>
+          <p:cNvPr id="3" name="2 Subtítulo"/>
           <p:cNvSpPr>
             <a:spLocks noGrp="1"/>
           </p:cNvSpPr>
@@ -8747,17 +9340,16 @@
           <a:lstStyle/>
           <a:p>
             <a:r>
-              <a:rPr lang="es-ES" dirty="0" err="1" smtClean="0"/>
-              <a:t>Espresso</a:t>
-            </a:r>
-            <a:endParaRPr lang="es-ES" dirty="0"/>
+              <a:rPr lang="es-ES" dirty="0"/>
+              <a:t>Mobile testing</a:t>
+            </a:r>
           </a:p>
         </p:txBody>
       </p:sp>
     </p:spTree>
     <p:extLst>
       <p:ext uri="{BB962C8B-B14F-4D97-AF65-F5344CB8AC3E}">
-        <p14:creationId xmlns:p14="http://schemas.microsoft.com/office/powerpoint/2010/main" xmlns="" val="82126469"/>
+        <p14:creationId xmlns:p14="http://schemas.microsoft.com/office/powerpoint/2010/main" xmlns="" val="3621324983"/>
       </p:ext>
     </p:extLst>
   </p:cSld>
@@ -8786,58 +9378,111 @@
       </p:grpSpPr>
       <p:sp>
         <p:nvSpPr>
-          <p:cNvPr id="2" name="1 Título"/>
+          <p:cNvPr id="3" name="2 Marcador de contenido"/>
           <p:cNvSpPr>
             <a:spLocks noGrp="1"/>
           </p:cNvSpPr>
           <p:nvPr>
-            <p:ph type="ctrTitle"/>
+            <p:ph idx="4294967295"/>
           </p:nvPr>
         </p:nvSpPr>
-        <p:spPr/>
+        <p:spPr>
+          <a:xfrm>
+            <a:off x="972065" y="897924"/>
+            <a:ext cx="10313774" cy="4374291"/>
+          </a:xfrm>
+        </p:spPr>
         <p:txBody>
           <a:bodyPr>
-            <a:normAutofit/>
+            <a:normAutofit fontScale="62500" lnSpcReduction="20000"/>
           </a:bodyPr>
           <a:lstStyle/>
           <a:p>
-            <a:r>
-              <a:rPr lang="es-ES" sz="4400" dirty="0"/>
-              <a:t>6. </a:t>
-            </a:r>
-            <a:r>
-              <a:rPr lang="es-ES" sz="4400" dirty="0" smtClean="0"/>
-              <a:t>Comparacion de las dos implementaciones</a:t>
-            </a:r>
-            <a:endParaRPr lang="es-ES" sz="4400" dirty="0"/>
-          </a:p>
-        </p:txBody>
-      </p:sp>
-      <p:sp>
-        <p:nvSpPr>
-          <p:cNvPr id="3" name="2 Subtítulo"/>
-          <p:cNvSpPr>
-            <a:spLocks noGrp="1"/>
-          </p:cNvSpPr>
-          <p:nvPr>
-            <p:ph type="subTitle" idx="1"/>
-          </p:nvPr>
-        </p:nvSpPr>
-        <p:spPr/>
-        <p:txBody>
-          <a:bodyPr/>
-          <a:lstStyle/>
+            <a:pPr algn="just">
+              <a:buNone/>
+            </a:pPr>
+            <a:r>
+              <a:rPr lang="es-ES" sz="2500" b="1" i="1" u="sng" dirty="0" smtClean="0"/>
+              <a:t>3.1 Interfaz de Usuario</a:t>
+            </a:r>
+            <a:endParaRPr lang="es-ES" sz="2500" dirty="0" smtClean="0"/>
+          </a:p>
+          <a:p>
+            <a:pPr algn="just">
+              <a:buNone/>
+            </a:pPr>
+            <a:r>
+              <a:rPr lang="es-ES" sz="2500" dirty="0" smtClean="0"/>
+              <a:t>Nombre del criterio: Interfaz de Usuario.</a:t>
+            </a:r>
+          </a:p>
+          <a:p>
+            <a:pPr algn="just">
+              <a:buNone/>
+            </a:pPr>
+            <a:r>
+              <a:rPr lang="es-ES" sz="2500" dirty="0" smtClean="0"/>
+              <a:t>Descripción: En este criterio comparamos la facilidad de la interfaz de usuario con respecto a otras aplicaciones. Más tarde veremos esa comparación de nuestros dos software frente a frente</a:t>
+            </a:r>
+          </a:p>
+          <a:p>
+            <a:pPr algn="just">
+              <a:buNone/>
+            </a:pPr>
+            <a:r>
+              <a:rPr lang="es-ES" sz="2500" dirty="0" smtClean="0"/>
+              <a:t>Tipo de valor: Texto.</a:t>
+            </a:r>
+          </a:p>
+          <a:p>
+            <a:pPr algn="just">
+              <a:buNone/>
+            </a:pPr>
+            <a:endParaRPr lang="es-ES" sz="2500" dirty="0" smtClean="0"/>
+          </a:p>
+          <a:p>
+            <a:pPr algn="just">
+              <a:buNone/>
+            </a:pPr>
+            <a:r>
+              <a:rPr lang="es-ES" sz="2500" b="1" i="1" u="sng" dirty="0" smtClean="0"/>
+              <a:t>3.2 Tiempo de Aprendizaje</a:t>
+            </a:r>
+            <a:endParaRPr lang="es-ES" sz="2500" dirty="0" smtClean="0"/>
+          </a:p>
+          <a:p>
+            <a:pPr algn="just">
+              <a:buNone/>
+            </a:pPr>
+            <a:r>
+              <a:rPr lang="es-ES" sz="2500" dirty="0" smtClean="0"/>
+              <a:t>Nombre del criterio: Tiempo de Aprendizaje.</a:t>
+            </a:r>
+          </a:p>
+          <a:p>
+            <a:pPr algn="just">
+              <a:buNone/>
+            </a:pPr>
+            <a:r>
+              <a:rPr lang="es-ES" sz="2500" dirty="0" smtClean="0"/>
+              <a:t>Descripción: En este criterio valoramos el tiempo que hemos tardado desde que nosotros arrancamos desde el momento que arrancamos nuestro software  y podemos empezar a realizar ese proyecto. También introducimos el tiempo que le hemos dedicado a la adquisición de conocimientos de aprendizaje del software.</a:t>
+            </a:r>
+          </a:p>
+          <a:p>
+            <a:pPr algn="just">
+              <a:buNone/>
+            </a:pPr>
+            <a:r>
+              <a:rPr lang="es-ES" sz="2500" dirty="0" smtClean="0"/>
+              <a:t>Tipo de valor: Numérico (horas).</a:t>
+            </a:r>
+          </a:p>
           <a:p>
             <a:endParaRPr lang="es-ES" dirty="0"/>
           </a:p>
         </p:txBody>
       </p:sp>
     </p:spTree>
-    <p:extLst>
-      <p:ext uri="{BB962C8B-B14F-4D97-AF65-F5344CB8AC3E}">
-        <p14:creationId xmlns:p14="http://schemas.microsoft.com/office/powerpoint/2010/main" xmlns="" val="2379322355"/>
-      </p:ext>
-    </p:extLst>
   </p:cSld>
   <p:clrMapOvr>
     <a:masterClrMapping/>
@@ -8864,50 +9509,116 @@
       </p:grpSpPr>
       <p:sp>
         <p:nvSpPr>
-          <p:cNvPr id="2" name="1 Título"/>
+          <p:cNvPr id="3" name="2 Marcador de contenido"/>
           <p:cNvSpPr>
             <a:spLocks noGrp="1"/>
           </p:cNvSpPr>
           <p:nvPr>
-            <p:ph type="title"/>
+            <p:ph idx="4294967295"/>
           </p:nvPr>
         </p:nvSpPr>
-        <p:spPr/>
+        <p:spPr>
+          <a:xfrm>
+            <a:off x="972065" y="897924"/>
+            <a:ext cx="10313774" cy="4374291"/>
+          </a:xfrm>
+        </p:spPr>
         <p:txBody>
-          <a:bodyPr/>
+          <a:bodyPr>
+            <a:normAutofit fontScale="55000" lnSpcReduction="20000"/>
+          </a:bodyPr>
           <a:lstStyle/>
           <a:p>
-            <a:r>
-              <a:rPr lang="es-ES" dirty="0" smtClean="0"/>
-              <a:t>6.1 Tecnología A</a:t>
-            </a:r>
+            <a:pPr algn="just">
+              <a:buNone/>
+            </a:pPr>
+            <a:r>
+              <a:rPr lang="es-ES" sz="2900" b="1" i="1" u="sng" dirty="0" smtClean="0"/>
+              <a:t>3.3 Tiempo de Configuración</a:t>
+            </a:r>
+            <a:endParaRPr lang="es-ES" sz="2900" dirty="0" smtClean="0"/>
+          </a:p>
+          <a:p>
+            <a:pPr algn="just">
+              <a:buNone/>
+            </a:pPr>
+            <a:r>
+              <a:rPr lang="es-ES" sz="2900" dirty="0" smtClean="0"/>
+              <a:t>Nombre del criterio: Tiempo de Configuración.</a:t>
+            </a:r>
+          </a:p>
+          <a:p>
+            <a:pPr algn="just">
+              <a:buNone/>
+            </a:pPr>
+            <a:r>
+              <a:rPr lang="es-ES" sz="2900" dirty="0" smtClean="0"/>
+              <a:t>Descripción: Incluimos el tiempo que hemos empleado en la configuración de nuestro software para utilizarlo. Aquí debemos incluir la instalación.</a:t>
+            </a:r>
+          </a:p>
+          <a:p>
+            <a:pPr algn="just">
+              <a:buNone/>
+            </a:pPr>
+            <a:r>
+              <a:rPr lang="es-ES" sz="2900" dirty="0" smtClean="0"/>
+              <a:t>Tipo de valor: Numérico (horas).</a:t>
+            </a:r>
+          </a:p>
+          <a:p>
+            <a:pPr algn="just">
+              <a:buNone/>
+            </a:pPr>
+            <a:endParaRPr lang="es-ES" sz="2900" dirty="0" smtClean="0"/>
+          </a:p>
+          <a:p>
+            <a:pPr algn="just">
+              <a:buNone/>
+            </a:pPr>
+            <a:endParaRPr lang="es-ES" sz="2900" dirty="0" smtClean="0"/>
+          </a:p>
+          <a:p>
+            <a:pPr algn="just">
+              <a:buNone/>
+            </a:pPr>
+            <a:r>
+              <a:rPr lang="es-ES" sz="2900" b="1" i="1" u="sng" dirty="0" smtClean="0"/>
+              <a:t>3.4 SS.OO Útiles</a:t>
+            </a:r>
+            <a:endParaRPr lang="es-ES" sz="2900" dirty="0" smtClean="0"/>
+          </a:p>
+          <a:p>
+            <a:pPr algn="just">
+              <a:buNone/>
+            </a:pPr>
+            <a:r>
+              <a:rPr lang="es-ES" sz="2900" dirty="0" smtClean="0"/>
+              <a:t>Nombre del criterio: SS.OO Útiles.</a:t>
+            </a:r>
+          </a:p>
+          <a:p>
+            <a:pPr algn="just">
+              <a:buNone/>
+            </a:pPr>
+            <a:r>
+              <a:rPr lang="es-ES" sz="2900" dirty="0" smtClean="0"/>
+              <a:t>Descripción:  Diremos los SS.OO que hemos usado en la instalación y realización del proyecto. En este punto introducimos también la dificultad que hemos tenido.</a:t>
+            </a:r>
+          </a:p>
+          <a:p>
+            <a:pPr algn="just">
+              <a:buNone/>
+            </a:pPr>
+            <a:r>
+              <a:rPr lang="es-ES" sz="2900" dirty="0" smtClean="0"/>
+              <a:t>Tipo de valor: Texto.</a:t>
+            </a:r>
+          </a:p>
+          <a:p>
             <a:endParaRPr lang="es-ES" dirty="0"/>
           </a:p>
         </p:txBody>
       </p:sp>
-      <p:pic>
-        <p:nvPicPr>
-          <p:cNvPr id="5" name="4 Marcador de contenido" descr="6.1.PNG"/>
-          <p:cNvPicPr>
-            <a:picLocks noGrp="1" noChangeAspect="1"/>
-          </p:cNvPicPr>
-          <p:nvPr>
-            <p:ph idx="1"/>
-          </p:nvPr>
-        </p:nvPicPr>
-        <p:blipFill>
-          <a:blip r:embed="rId2"/>
-          <a:stretch>
-            <a:fillRect/>
-          </a:stretch>
-        </p:blipFill>
-        <p:spPr>
-          <a:xfrm>
-            <a:off x="3542921" y="2088125"/>
-            <a:ext cx="5420482" cy="3305637"/>
-          </a:xfrm>
-        </p:spPr>
-      </p:pic>
     </p:spTree>
   </p:cSld>
   <p:clrMapOvr>
